--- a/digital-logic/slide_presentations/.hidden/Introduction_to_Digitial.pptx
+++ b/digital-logic/slide_presentations/.hidden/Introduction_to_Digitial.pptx
@@ -25820,8 +25820,8 @@
         </p:nvSpPr>
         <p:spPr>
           <a:xfrm>
-            <a:off x="1284477" y="4568505"/>
-            <a:ext cx="5244660" cy="2039330"/>
+            <a:off x="1223420" y="2934700"/>
+            <a:ext cx="5992830" cy="1633805"/>
           </a:xfrm>
           <a:prstGeom prst="rect">
             <a:avLst/>

--- a/digital-logic/slide_presentations/.hidden/Introduction_to_Digitial.pptx
+++ b/digital-logic/slide_presentations/.hidden/Introduction_to_Digitial.pptx
@@ -6949,31 +6949,15 @@
                 <a:spcPts val="0"/>
               </a:spcAft>
               <a:buSzPts val="1400"/>
-              <a:buChar char="○"/>
-            </a:pPr>
-            <a:r>
-              <a:rPr lang="en" dirty="0"/>
-              <a:t>2 weeks followed by Quiz #3</a:t>
-            </a:r>
-            <a:br>
-              <a:rPr lang="en" dirty="0"/>
-            </a:br>
-            <a:endParaRPr dirty="0"/>
-          </a:p>
-          <a:p>
-            <a:pPr marL="914400" lvl="1" indent="-317500" algn="l" rtl="0">
-              <a:spcBef>
-                <a:spcPts val="0"/>
-              </a:spcBef>
-              <a:spcAft>
-                <a:spcPts val="0"/>
-              </a:spcAft>
-              <a:buSzPts val="1400"/>
               <a:buAutoNum type="arabicPeriod"/>
             </a:pPr>
             <a:r>
+              <a:rPr lang="en"/>
+              <a:t>Boolean </a:t>
+            </a:r>
+            <a:r>
               <a:rPr lang="en" dirty="0"/>
-              <a:t>Boolean Algebra ⇔ Digital Circuits</a:t>
+              <a:t>Algebra ⇔ Digital Circuits</a:t>
             </a:r>
             <a:endParaRPr dirty="0"/>
           </a:p>
